--- a/slides/3_PythonCrawler.pptx
+++ b/slides/3_PythonCrawler.pptx
@@ -626,7 +626,7 @@
           <a:p>
             <a:fld id="{2393E893-FA72-4F90-B60A-D66ACD32E19A}" type="datetimeFigureOut">
               <a:rPr lang="zh-CN" altLang="en-US" smtClean="0"/>
-              <a:t>2020-10-15</a:t>
+              <a:t>2020-10-23</a:t>
             </a:fld>
             <a:endParaRPr lang="zh-CN" altLang="en-US"/>
           </a:p>
@@ -2000,7 +2000,7 @@
                 <a:tabLst/>
                 <a:defRPr/>
               </a:pPr>
-              <a:t>2020-10-15</a:t>
+              <a:t>2020-10-23</a:t>
             </a:fld>
             <a:endParaRPr kumimoji="0" lang="en-US" altLang="zh-CN" sz="1400" b="0" i="0" u="none" strike="noStrike" kern="1200" cap="none" spc="0" normalizeH="0" baseline="0" noProof="0" dirty="0">
               <a:ln>
@@ -2393,7 +2393,7 @@
                 <a:tabLst/>
                 <a:defRPr/>
               </a:pPr>
-              <a:t>2020-10-15</a:t>
+              <a:t>2020-10-23</a:t>
             </a:fld>
             <a:endParaRPr kumimoji="0" lang="en-US" altLang="zh-CN" sz="1400" b="0" i="0" u="none" strike="noStrike" kern="1200" cap="none" spc="0" normalizeH="0" baseline="0" noProof="0" dirty="0">
               <a:ln>
@@ -2842,7 +2842,7 @@
                 <a:tabLst/>
                 <a:defRPr/>
               </a:pPr>
-              <a:t>2020-10-15</a:t>
+              <a:t>2020-10-23</a:t>
             </a:fld>
             <a:endParaRPr kumimoji="0" lang="en-US" altLang="zh-CN" sz="1400" b="0" i="0" u="none" strike="noStrike" kern="1200" cap="none" spc="0" normalizeH="0" baseline="0" noProof="0" dirty="0">
               <a:ln>
@@ -3567,7 +3567,7 @@
                 <a:tabLst/>
                 <a:defRPr/>
               </a:pPr>
-              <a:t>2020-10-15</a:t>
+              <a:t>2020-10-23</a:t>
             </a:fld>
             <a:endParaRPr kumimoji="0" lang="da-DK" sz="1400" b="0" i="0" u="none" strike="noStrike" kern="1200" cap="none" spc="0" normalizeH="0" baseline="0" noProof="0">
               <a:ln>
@@ -4070,7 +4070,7 @@
                 <a:tabLst/>
                 <a:defRPr/>
               </a:pPr>
-              <a:t>2020-10-15</a:t>
+              <a:t>2020-10-23</a:t>
             </a:fld>
             <a:endParaRPr kumimoji="0" lang="en-US" altLang="zh-CN" sz="1400" b="0" i="0" u="none" strike="noStrike" kern="1200" cap="none" spc="0" normalizeH="0" baseline="0" noProof="0" dirty="0">
               <a:ln>
@@ -4476,7 +4476,7 @@
                 <a:tabLst/>
                 <a:defRPr/>
               </a:pPr>
-              <a:t>2020-10-15</a:t>
+              <a:t>2020-10-23</a:t>
             </a:fld>
             <a:endParaRPr kumimoji="0" lang="en-US" altLang="zh-CN" sz="1400" b="0" i="0" u="none" strike="noStrike" kern="1200" cap="none" spc="0" normalizeH="0" baseline="0" noProof="0" dirty="0">
               <a:ln>
@@ -4976,7 +4976,7 @@
                 <a:tabLst/>
                 <a:defRPr/>
               </a:pPr>
-              <a:t>2020-10-15</a:t>
+              <a:t>2020-10-23</a:t>
             </a:fld>
             <a:endParaRPr kumimoji="0" lang="en-US" altLang="zh-CN" sz="1400" b="0" i="0" u="none" strike="noStrike" kern="1200" cap="none" spc="0" normalizeH="0" baseline="0" noProof="0" dirty="0">
               <a:ln>
@@ -5615,7 +5615,7 @@
                 <a:tabLst/>
                 <a:defRPr/>
               </a:pPr>
-              <a:t>2020-10-15</a:t>
+              <a:t>2020-10-23</a:t>
             </a:fld>
             <a:endParaRPr kumimoji="0" lang="en-US" altLang="zh-CN" sz="1400" b="0" i="0" u="none" strike="noStrike" kern="1200" cap="none" spc="0" normalizeH="0" baseline="0" noProof="0" dirty="0">
               <a:ln>
@@ -5947,7 +5947,7 @@
                 <a:tabLst/>
                 <a:defRPr/>
               </a:pPr>
-              <a:t>2020-10-15</a:t>
+              <a:t>2020-10-23</a:t>
             </a:fld>
             <a:endParaRPr kumimoji="0" lang="en-US" altLang="zh-CN" sz="1400" b="0" i="0" u="none" strike="noStrike" kern="1200" cap="none" spc="0" normalizeH="0" baseline="0" noProof="0" dirty="0">
               <a:ln>
@@ -6257,7 +6257,7 @@
                 <a:tabLst/>
                 <a:defRPr/>
               </a:pPr>
-              <a:t>2020-10-15</a:t>
+              <a:t>2020-10-23</a:t>
             </a:fld>
             <a:endParaRPr kumimoji="0" lang="en-US" altLang="zh-CN" sz="1400" b="0" i="0" u="none" strike="noStrike" kern="1200" cap="none" spc="0" normalizeH="0" baseline="0" noProof="0" dirty="0">
               <a:ln>
@@ -6747,7 +6747,7 @@
                 <a:tabLst/>
                 <a:defRPr/>
               </a:pPr>
-              <a:t>2020-10-15</a:t>
+              <a:t>2020-10-23</a:t>
             </a:fld>
             <a:endParaRPr kumimoji="0" lang="en-US" altLang="zh-CN" sz="1400" b="0" i="0" u="none" strike="noStrike" kern="1200" cap="none" spc="0" normalizeH="0" baseline="0" noProof="0" dirty="0">
               <a:ln>
@@ -7218,7 +7218,7 @@
                 <a:tabLst/>
                 <a:defRPr/>
               </a:pPr>
-              <a:t>2020-10-15</a:t>
+              <a:t>2020-10-23</a:t>
             </a:fld>
             <a:endParaRPr kumimoji="0" lang="en-US" altLang="zh-CN" sz="1400" b="0" i="0" u="none" strike="noStrike" kern="1200" cap="none" spc="0" normalizeH="0" baseline="0" noProof="0" dirty="0">
               <a:ln>
@@ -7750,7 +7750,7 @@
                 <a:tabLst/>
                 <a:defRPr/>
               </a:pPr>
-              <a:t>2020-10-15</a:t>
+              <a:t>2020-10-23</a:t>
             </a:fld>
             <a:endParaRPr kumimoji="0" lang="en-US" altLang="zh-CN" sz="1400" b="0" i="0" u="none" strike="noStrike" kern="1200" cap="none" spc="0" normalizeH="0" baseline="0" noProof="0" dirty="0">
               <a:ln>
@@ -8566,7 +8566,7 @@
                   <a:srgbClr val="000000"/>
                 </a:solidFill>
               </a:rPr>
-              <a:t>2020-10-15</a:t>
+              <a:t>2020-10-23</a:t>
             </a:fld>
             <a:endParaRPr lang="en-US" altLang="zh-CN" dirty="0">
               <a:solidFill>
@@ -9024,7 +9024,7 @@
                 <a:tabLst/>
                 <a:defRPr/>
               </a:pPr>
-              <a:t>2020-10-15</a:t>
+              <a:t>2020-10-23</a:t>
             </a:fld>
             <a:endParaRPr kumimoji="0" lang="en-US" altLang="zh-CN" sz="1400" b="0" i="0" u="none" strike="noStrike" kern="1200" cap="none" spc="0" normalizeH="0" baseline="0" noProof="0" dirty="0">
               <a:ln>
@@ -9926,7 +9926,7 @@
                 <a:tabLst/>
                 <a:defRPr/>
               </a:pPr>
-              <a:t>2020-10-15</a:t>
+              <a:t>2020-10-23</a:t>
             </a:fld>
             <a:endParaRPr kumimoji="0" lang="en-US" altLang="zh-CN" sz="1400" b="0" i="0" u="none" strike="noStrike" kern="1200" cap="none" spc="0" normalizeH="0" baseline="0" noProof="0" dirty="0">
               <a:ln>
@@ -10305,7 +10305,7 @@
                 <a:tabLst/>
                 <a:defRPr/>
               </a:pPr>
-              <a:t>2020-10-15</a:t>
+              <a:t>2020-10-23</a:t>
             </a:fld>
             <a:endParaRPr kumimoji="0" lang="en-US" altLang="zh-CN" sz="1400" b="0" i="0" u="none" strike="noStrike" kern="1200" cap="none" spc="0" normalizeH="0" baseline="0" noProof="0" dirty="0">
               <a:ln>
@@ -11048,7 +11048,7 @@
                   <a:srgbClr val="000000"/>
                 </a:solidFill>
               </a:rPr>
-              <a:t>2020-10-15</a:t>
+              <a:t>2020-10-23</a:t>
             </a:fld>
             <a:endParaRPr lang="en-US" altLang="zh-CN" dirty="0">
               <a:solidFill>
@@ -11920,7 +11920,7 @@
         <p:spPr>
           <a:xfrm>
             <a:off x="334437" y="1196975"/>
-            <a:ext cx="7087296" cy="5111750"/>
+            <a:ext cx="7756618" cy="5111750"/>
           </a:xfrm>
         </p:spPr>
         <p:txBody>
@@ -12013,15 +12013,7 @@
             </a:r>
             <a:r>
               <a:rPr lang="zh-CN" altLang="en-US" sz="1400" dirty="0"/>
-              <a:t>更加轻量级、占用</a:t>
-            </a:r>
-            <a:r>
-              <a:rPr lang="zh-CN" altLang="en-US" sz="1400"/>
-              <a:t>空间小、机器解析难度低，</a:t>
-            </a:r>
-            <a:r>
-              <a:rPr lang="zh-CN" altLang="en-US" sz="1400" dirty="0"/>
-              <a:t>但对人类而言易读性相对差</a:t>
+              <a:t>更加轻量级、占用空间小、机器解析难度低，但对人类而言易读性相对差</a:t>
             </a:r>
           </a:p>
           <a:p>
@@ -12388,7 +12380,7 @@
                 <a:tabLst/>
                 <a:defRPr/>
               </a:pPr>
-              <a:t>2020-10-15</a:t>
+              <a:t>2020-10-23</a:t>
             </a:fld>
             <a:endParaRPr kumimoji="0" lang="en-US" altLang="zh-CN" sz="1400" b="0" i="0" u="none" strike="noStrike" kern="1200" cap="none" spc="0" normalizeH="0" baseline="0" noProof="0" dirty="0">
               <a:ln>
@@ -13283,7 +13275,7 @@
                 <a:tabLst/>
                 <a:defRPr/>
               </a:pPr>
-              <a:t>2020-10-15</a:t>
+              <a:t>2020-10-23</a:t>
             </a:fld>
             <a:endParaRPr kumimoji="0" lang="en-US" altLang="zh-CN" sz="1400" b="0" i="0" u="none" strike="noStrike" kern="1200" cap="none" spc="0" normalizeH="0" baseline="0" noProof="0" dirty="0">
               <a:ln>
@@ -13696,7 +13688,7 @@
                 <a:tabLst/>
                 <a:defRPr/>
               </a:pPr>
-              <a:t>2020-10-15</a:t>
+              <a:t>2020-10-23</a:t>
             </a:fld>
             <a:endParaRPr kumimoji="0" lang="en-US" altLang="zh-CN" sz="1400" b="0" i="0" u="none" strike="noStrike" kern="1200" cap="none" spc="0" normalizeH="0" baseline="0" noProof="0" dirty="0">
               <a:ln>
@@ -14317,7 +14309,7 @@
                   <a:srgbClr val="000000"/>
                 </a:solidFill>
               </a:rPr>
-              <a:t>2020-10-15</a:t>
+              <a:t>2020-10-23</a:t>
             </a:fld>
             <a:endParaRPr lang="en-US" altLang="zh-CN" dirty="0">
               <a:solidFill>
@@ -14794,8 +14786,21 @@
             </a:r>
             <a:r>
               <a:rPr lang="zh-CN" altLang="en-US" dirty="0"/>
-              <a:t>对浏览器进行操作</a:t>
-            </a:r>
+              <a:t>对浏览器进行</a:t>
+            </a:r>
+            <a:r>
+              <a:rPr lang="zh-CN" altLang="en-US" dirty="0" smtClean="0"/>
+              <a:t>操作</a:t>
+            </a:r>
+            <a:endParaRPr lang="en-US" altLang="zh-CN" dirty="0" smtClean="0"/>
+          </a:p>
+          <a:p>
+            <a:pPr lvl="3"/>
+            <a:r>
+              <a:rPr lang="en-US" altLang="zh-CN" sz="1800" dirty="0" err="1" smtClean="0"/>
+              <a:t>ActionChains</a:t>
+            </a:r>
+            <a:endParaRPr lang="zh-CN" altLang="en-US" dirty="0"/>
           </a:p>
           <a:p>
             <a:endParaRPr lang="zh-CN" altLang="en-US" dirty="0"/>
@@ -15050,7 +15055,7 @@
                 <a:tabLst/>
                 <a:defRPr/>
               </a:pPr>
-              <a:t>2020-10-15</a:t>
+              <a:t>2020-10-23</a:t>
             </a:fld>
             <a:endParaRPr kumimoji="0" lang="en-US" altLang="zh-CN" sz="1400" b="0" i="0" u="none" strike="noStrike" kern="1200" cap="none" spc="0" normalizeH="0" baseline="0" noProof="0" dirty="0">
               <a:ln>
@@ -15511,7 +15516,7 @@
                 <a:tabLst/>
                 <a:defRPr/>
               </a:pPr>
-              <a:t>2020-10-15</a:t>
+              <a:t>2020-10-23</a:t>
             </a:fld>
             <a:endParaRPr kumimoji="0" lang="en-US" altLang="zh-CN" sz="1400" b="0" i="0" u="none" strike="noStrike" kern="1200" cap="none" spc="0" normalizeH="0" baseline="0" noProof="0" dirty="0">
               <a:ln>

--- a/slides/3_PythonCrawler.pptx
+++ b/slides/3_PythonCrawler.pptx
@@ -130,23 +130,49 @@
 <pc:chgInfo xmlns:a="http://schemas.openxmlformats.org/drawingml/2006/main" xmlns:r="http://schemas.openxmlformats.org/officeDocument/2006/relationships" xmlns:ac="http://schemas.microsoft.com/office/drawing/2013/main/command" xmlns:pc="http://schemas.microsoft.com/office/powerpoint/2013/main/command">
   <pc:docChgLst>
     <pc:chgData userId="a1a4dc899414fe72" providerId="LiveId" clId="{491B06DB-98FB-46DA-9D75-E0C89D67EE47}"/>
+  </pc:docChgLst>
+  <pc:docChgLst>
+    <pc:chgData userId="a1a4dc899414fe72" providerId="LiveId" clId="{9C74B4F1-3D08-47B0-8350-A919D393BFA1}"/>
     <pc:docChg chg="modSld">
-      <pc:chgData name="" userId="a1a4dc899414fe72" providerId="LiveId" clId="{491B06DB-98FB-46DA-9D75-E0C89D67EE47}" dt="2021-10-21T02:52:11.635" v="8" actId="20577"/>
+      <pc:chgData name="" userId="a1a4dc899414fe72" providerId="LiveId" clId="{9C74B4F1-3D08-47B0-8350-A919D393BFA1}" dt="2022-10-05T14:41:17.590" v="33" actId="6549"/>
       <pc:docMkLst>
         <pc:docMk/>
       </pc:docMkLst>
       <pc:sldChg chg="modSp">
-        <pc:chgData name="" userId="a1a4dc899414fe72" providerId="LiveId" clId="{491B06DB-98FB-46DA-9D75-E0C89D67EE47}" dt="2021-10-21T02:52:11.635" v="8" actId="20577"/>
+        <pc:chgData name="" userId="a1a4dc899414fe72" providerId="LiveId" clId="{9C74B4F1-3D08-47B0-8350-A919D393BFA1}" dt="2022-10-05T14:41:17.590" v="33" actId="6549"/>
+        <pc:sldMkLst>
+          <pc:docMk/>
+          <pc:sldMk cId="2105441361" sldId="263"/>
+        </pc:sldMkLst>
+        <pc:spChg chg="mod">
+          <ac:chgData name="" userId="a1a4dc899414fe72" providerId="LiveId" clId="{9C74B4F1-3D08-47B0-8350-A919D393BFA1}" dt="2022-10-05T14:41:17.590" v="33" actId="6549"/>
+          <ac:spMkLst>
+            <pc:docMk/>
+            <pc:sldMk cId="2105441361" sldId="263"/>
+            <ac:spMk id="3" creationId="{00000000-0000-0000-0000-000000000000}"/>
+          </ac:spMkLst>
+        </pc:spChg>
+      </pc:sldChg>
+      <pc:sldChg chg="addSp modSp modAnim">
+        <pc:chgData name="" userId="a1a4dc899414fe72" providerId="LiveId" clId="{9C74B4F1-3D08-47B0-8350-A919D393BFA1}" dt="2022-10-05T14:39:10.348" v="32"/>
         <pc:sldMkLst>
           <pc:docMk/>
           <pc:sldMk cId="1678055849" sldId="266"/>
         </pc:sldMkLst>
         <pc:spChg chg="mod">
-          <ac:chgData name="" userId="a1a4dc899414fe72" providerId="LiveId" clId="{491B06DB-98FB-46DA-9D75-E0C89D67EE47}" dt="2021-10-21T02:52:11.635" v="8" actId="20577"/>
+          <ac:chgData name="" userId="a1a4dc899414fe72" providerId="LiveId" clId="{9C74B4F1-3D08-47B0-8350-A919D393BFA1}" dt="2022-10-05T14:37:24.701" v="11" actId="6549"/>
           <ac:spMkLst>
             <pc:docMk/>
             <pc:sldMk cId="1678055849" sldId="266"/>
             <ac:spMk id="3" creationId="{83B996BB-A478-4FF9-827F-7F843FC6DE3C}"/>
+          </ac:spMkLst>
+        </pc:spChg>
+        <pc:spChg chg="add mod">
+          <ac:chgData name="" userId="a1a4dc899414fe72" providerId="LiveId" clId="{9C74B4F1-3D08-47B0-8350-A919D393BFA1}" dt="2022-10-05T14:38:16.766" v="29" actId="1076"/>
+          <ac:spMkLst>
+            <pc:docMk/>
+            <pc:sldMk cId="1678055849" sldId="266"/>
+            <ac:spMk id="7" creationId="{29B47FF4-5EB9-489B-9F90-B41998D168F0}"/>
           </ac:spMkLst>
         </pc:spChg>
       </pc:sldChg>
@@ -240,7 +266,7 @@
           <a:p>
             <a:fld id="{2393E893-FA72-4F90-B60A-D66ACD32E19A}" type="datetimeFigureOut">
               <a:rPr lang="zh-CN" altLang="en-US" smtClean="0"/>
-              <a:t>2021-10-21</a:t>
+              <a:t>2022-10-5</a:t>
             </a:fld>
             <a:endParaRPr lang="zh-CN" altLang="en-US"/>
           </a:p>
@@ -1614,7 +1640,7 @@
                 <a:tabLst/>
                 <a:defRPr/>
               </a:pPr>
-              <a:t>2021-10-21</a:t>
+              <a:t>2022-10-5</a:t>
             </a:fld>
             <a:endParaRPr kumimoji="0" lang="en-US" altLang="zh-CN" sz="1400" b="0" i="0" u="none" strike="noStrike" kern="1200" cap="none" spc="0" normalizeH="0" baseline="0" noProof="0" dirty="0">
               <a:ln>
@@ -2007,7 +2033,7 @@
                 <a:tabLst/>
                 <a:defRPr/>
               </a:pPr>
-              <a:t>2021-10-21</a:t>
+              <a:t>2022-10-5</a:t>
             </a:fld>
             <a:endParaRPr kumimoji="0" lang="en-US" altLang="zh-CN" sz="1400" b="0" i="0" u="none" strike="noStrike" kern="1200" cap="none" spc="0" normalizeH="0" baseline="0" noProof="0" dirty="0">
               <a:ln>
@@ -2456,7 +2482,7 @@
                 <a:tabLst/>
                 <a:defRPr/>
               </a:pPr>
-              <a:t>2021-10-21</a:t>
+              <a:t>2022-10-5</a:t>
             </a:fld>
             <a:endParaRPr kumimoji="0" lang="en-US" altLang="zh-CN" sz="1400" b="0" i="0" u="none" strike="noStrike" kern="1200" cap="none" spc="0" normalizeH="0" baseline="0" noProof="0" dirty="0">
               <a:ln>
@@ -3181,7 +3207,7 @@
                 <a:tabLst/>
                 <a:defRPr/>
               </a:pPr>
-              <a:t>2021-10-21</a:t>
+              <a:t>2022-10-5</a:t>
             </a:fld>
             <a:endParaRPr kumimoji="0" lang="da-DK" sz="1400" b="0" i="0" u="none" strike="noStrike" kern="1200" cap="none" spc="0" normalizeH="0" baseline="0" noProof="0">
               <a:ln>
@@ -3684,7 +3710,7 @@
                 <a:tabLst/>
                 <a:defRPr/>
               </a:pPr>
-              <a:t>2021-10-21</a:t>
+              <a:t>2022-10-5</a:t>
             </a:fld>
             <a:endParaRPr kumimoji="0" lang="en-US" altLang="zh-CN" sz="1400" b="0" i="0" u="none" strike="noStrike" kern="1200" cap="none" spc="0" normalizeH="0" baseline="0" noProof="0" dirty="0">
               <a:ln>
@@ -4090,7 +4116,7 @@
                 <a:tabLst/>
                 <a:defRPr/>
               </a:pPr>
-              <a:t>2021-10-21</a:t>
+              <a:t>2022-10-5</a:t>
             </a:fld>
             <a:endParaRPr kumimoji="0" lang="en-US" altLang="zh-CN" sz="1400" b="0" i="0" u="none" strike="noStrike" kern="1200" cap="none" spc="0" normalizeH="0" baseline="0" noProof="0" dirty="0">
               <a:ln>
@@ -4590,7 +4616,7 @@
                 <a:tabLst/>
                 <a:defRPr/>
               </a:pPr>
-              <a:t>2021-10-21</a:t>
+              <a:t>2022-10-5</a:t>
             </a:fld>
             <a:endParaRPr kumimoji="0" lang="en-US" altLang="zh-CN" sz="1400" b="0" i="0" u="none" strike="noStrike" kern="1200" cap="none" spc="0" normalizeH="0" baseline="0" noProof="0" dirty="0">
               <a:ln>
@@ -5229,7 +5255,7 @@
                 <a:tabLst/>
                 <a:defRPr/>
               </a:pPr>
-              <a:t>2021-10-21</a:t>
+              <a:t>2022-10-5</a:t>
             </a:fld>
             <a:endParaRPr kumimoji="0" lang="en-US" altLang="zh-CN" sz="1400" b="0" i="0" u="none" strike="noStrike" kern="1200" cap="none" spc="0" normalizeH="0" baseline="0" noProof="0" dirty="0">
               <a:ln>
@@ -5561,7 +5587,7 @@
                 <a:tabLst/>
                 <a:defRPr/>
               </a:pPr>
-              <a:t>2021-10-21</a:t>
+              <a:t>2022-10-5</a:t>
             </a:fld>
             <a:endParaRPr kumimoji="0" lang="en-US" altLang="zh-CN" sz="1400" b="0" i="0" u="none" strike="noStrike" kern="1200" cap="none" spc="0" normalizeH="0" baseline="0" noProof="0" dirty="0">
               <a:ln>
@@ -5871,7 +5897,7 @@
                 <a:tabLst/>
                 <a:defRPr/>
               </a:pPr>
-              <a:t>2021-10-21</a:t>
+              <a:t>2022-10-5</a:t>
             </a:fld>
             <a:endParaRPr kumimoji="0" lang="en-US" altLang="zh-CN" sz="1400" b="0" i="0" u="none" strike="noStrike" kern="1200" cap="none" spc="0" normalizeH="0" baseline="0" noProof="0" dirty="0">
               <a:ln>
@@ -6361,7 +6387,7 @@
                 <a:tabLst/>
                 <a:defRPr/>
               </a:pPr>
-              <a:t>2021-10-21</a:t>
+              <a:t>2022-10-5</a:t>
             </a:fld>
             <a:endParaRPr kumimoji="0" lang="en-US" altLang="zh-CN" sz="1400" b="0" i="0" u="none" strike="noStrike" kern="1200" cap="none" spc="0" normalizeH="0" baseline="0" noProof="0" dirty="0">
               <a:ln>
@@ -6832,7 +6858,7 @@
                 <a:tabLst/>
                 <a:defRPr/>
               </a:pPr>
-              <a:t>2021-10-21</a:t>
+              <a:t>2022-10-5</a:t>
             </a:fld>
             <a:endParaRPr kumimoji="0" lang="en-US" altLang="zh-CN" sz="1400" b="0" i="0" u="none" strike="noStrike" kern="1200" cap="none" spc="0" normalizeH="0" baseline="0" noProof="0" dirty="0">
               <a:ln>
@@ -7364,7 +7390,7 @@
                 <a:tabLst/>
                 <a:defRPr/>
               </a:pPr>
-              <a:t>2021-10-21</a:t>
+              <a:t>2022-10-5</a:t>
             </a:fld>
             <a:endParaRPr kumimoji="0" lang="en-US" altLang="zh-CN" sz="1400" b="0" i="0" u="none" strike="noStrike" kern="1200" cap="none" spc="0" normalizeH="0" baseline="0" noProof="0" dirty="0">
               <a:ln>
@@ -7989,16 +8015,12 @@
           <a:p>
             <a:pPr lvl="2"/>
             <a:r>
+              <a:rPr lang="zh-CN" altLang="en-US"/>
+              <a:t>自</a:t>
+            </a:r>
+            <a:r>
               <a:rPr lang="zh-CN" altLang="en-US" dirty="0"/>
-              <a:t>网络条件好、性能按需购买</a:t>
-            </a:r>
-            <a:endParaRPr lang="en-US" altLang="zh-CN" dirty="0"/>
-          </a:p>
-          <a:p>
-            <a:pPr lvl="2"/>
-            <a:r>
-              <a:rPr lang="zh-CN" altLang="en-US" dirty="0"/>
-              <a:t>自有设备存在着网络性能不稳定、设备性能不足、甚至电力供应不稳定的问题</a:t>
+              <a:t>有设备存在着网络性能不稳定、设备性能不足、甚至电力供应不稳定的问题</a:t>
             </a:r>
           </a:p>
           <a:p>
@@ -8180,7 +8202,7 @@
                   <a:srgbClr val="000000"/>
                 </a:solidFill>
               </a:rPr>
-              <a:t>2021-10-21</a:t>
+              <a:t>2022-10-5</a:t>
             </a:fld>
             <a:endParaRPr lang="en-US" altLang="zh-CN" dirty="0">
               <a:solidFill>
@@ -8638,7 +8660,7 @@
                 <a:tabLst/>
                 <a:defRPr/>
               </a:pPr>
-              <a:t>2021-10-21</a:t>
+              <a:t>2022-10-5</a:t>
             </a:fld>
             <a:endParaRPr kumimoji="0" lang="en-US" altLang="zh-CN" sz="1400" b="0" i="0" u="none" strike="noStrike" kern="1200" cap="none" spc="0" normalizeH="0" baseline="0" noProof="0" dirty="0">
               <a:ln>
@@ -9540,7 +9562,7 @@
                 <a:tabLst/>
                 <a:defRPr/>
               </a:pPr>
-              <a:t>2021-10-21</a:t>
+              <a:t>2022-10-5</a:t>
             </a:fld>
             <a:endParaRPr kumimoji="0" lang="en-US" altLang="zh-CN" sz="1400" b="0" i="0" u="none" strike="noStrike" kern="1200" cap="none" spc="0" normalizeH="0" baseline="0" noProof="0" dirty="0">
               <a:ln>
@@ -9556,6 +9578,53 @@
               <a:ea typeface="+mn-ea"/>
               <a:cs typeface="+mn-cs"/>
             </a:endParaRPr>
+          </a:p>
+        </p:txBody>
+      </p:sp>
+      <p:sp>
+        <p:nvSpPr>
+          <p:cNvPr id="7" name="文本框 6">
+            <a:extLst>
+              <a:ext uri="{FF2B5EF4-FFF2-40B4-BE49-F238E27FC236}">
+                <a16:creationId xmlns:a16="http://schemas.microsoft.com/office/drawing/2014/main" id="{342A5A43-9206-42DC-87BE-F49773F7AD8B}"/>
+              </a:ext>
+            </a:extLst>
+          </p:cNvPr>
+          <p:cNvSpPr txBox="1"/>
+          <p:nvPr/>
+        </p:nvSpPr>
+        <p:spPr>
+          <a:xfrm>
+            <a:off x="5767435" y="5970171"/>
+            <a:ext cx="6090129" cy="338554"/>
+          </a:xfrm>
+          <a:prstGeom prst="rect">
+            <a:avLst/>
+          </a:prstGeom>
+          <a:noFill/>
+        </p:spPr>
+        <p:txBody>
+          <a:bodyPr wrap="none" rtlCol="0">
+            <a:spAutoFit/>
+          </a:bodyPr>
+          <a:lstStyle/>
+          <a:p>
+            <a:r>
+              <a:rPr lang="zh-CN" altLang="en-US" sz="1600" b="1" dirty="0"/>
+              <a:t>注意：</a:t>
+            </a:r>
+            <a:r>
+              <a:rPr lang="zh-CN" altLang="en-US" sz="1600" dirty="0"/>
+              <a:t>因为</a:t>
+            </a:r>
+            <a:r>
+              <a:rPr lang="en-US" altLang="zh-CN" sz="1600" dirty="0"/>
+              <a:t>python</a:t>
+            </a:r>
+            <a:r>
+              <a:rPr lang="zh-CN" altLang="en-US" sz="1600" dirty="0"/>
+              <a:t>的历史原因，实际上并不能真正做到多线程并发</a:t>
+            </a:r>
           </a:p>
         </p:txBody>
       </p:sp>
@@ -9919,7 +9988,7 @@
                 <a:tabLst/>
                 <a:defRPr/>
               </a:pPr>
-              <a:t>2021-10-21</a:t>
+              <a:t>2022-10-5</a:t>
             </a:fld>
             <a:endParaRPr kumimoji="0" lang="en-US" altLang="zh-CN" sz="1400" b="0" i="0" u="none" strike="noStrike" kern="1200" cap="none" spc="0" normalizeH="0" baseline="0" noProof="0" dirty="0">
               <a:ln>
@@ -10662,7 +10731,7 @@
                   <a:srgbClr val="000000"/>
                 </a:solidFill>
               </a:rPr>
-              <a:t>2021-10-21</a:t>
+              <a:t>2022-10-5</a:t>
             </a:fld>
             <a:endParaRPr lang="en-US" altLang="zh-CN" dirty="0">
               <a:solidFill>
@@ -11664,11 +11733,19 @@
             <a:pPr lvl="2"/>
             <a:r>
               <a:rPr lang="zh-CN" altLang="en-US" sz="1600" dirty="0"/>
-              <a:t>获取邮编：</a:t>
+              <a:t>获取区号：</a:t>
             </a:r>
             <a:r>
               <a:rPr lang="en-US" altLang="zh-CN" sz="1600" dirty="0"/>
-              <a:t>http://api.k780.com/?app=life.postcode&amp;areaname=</a:t>
+              <a:t>http://api.k780.com/?app=life. </a:t>
+            </a:r>
+            <a:r>
+              <a:rPr lang="en-US" altLang="zh-CN" sz="1600" dirty="0" err="1"/>
+              <a:t>areacode&amp;areaname</a:t>
+            </a:r>
+            <a:r>
+              <a:rPr lang="en-US" altLang="zh-CN" sz="1600" dirty="0"/>
+              <a:t>=</a:t>
             </a:r>
             <a:r>
               <a:rPr lang="zh-CN" altLang="en-US" sz="1600" dirty="0"/>
@@ -11994,7 +12071,7 @@
                 <a:tabLst/>
                 <a:defRPr/>
               </a:pPr>
-              <a:t>2021-10-21</a:t>
+              <a:t>2022-10-5</a:t>
             </a:fld>
             <a:endParaRPr kumimoji="0" lang="en-US" altLang="zh-CN" sz="1400" b="0" i="0" u="none" strike="noStrike" kern="1200" cap="none" spc="0" normalizeH="0" baseline="0" noProof="0" dirty="0">
               <a:ln>
@@ -12085,6 +12162,44 @@
           </a:prstGeom>
         </p:spPr>
       </p:pic>
+      <p:sp>
+        <p:nvSpPr>
+          <p:cNvPr id="7" name="文本框 6">
+            <a:extLst>
+              <a:ext uri="{FF2B5EF4-FFF2-40B4-BE49-F238E27FC236}">
+                <a16:creationId xmlns:a16="http://schemas.microsoft.com/office/drawing/2014/main" id="{29B47FF4-5EB9-489B-9F90-B41998D168F0}"/>
+              </a:ext>
+            </a:extLst>
+          </p:cNvPr>
+          <p:cNvSpPr txBox="1"/>
+          <p:nvPr/>
+        </p:nvSpPr>
+        <p:spPr>
+          <a:xfrm>
+            <a:off x="6857502" y="4515467"/>
+            <a:ext cx="1058303" cy="307777"/>
+          </a:xfrm>
+          <a:prstGeom prst="rect">
+            <a:avLst/>
+          </a:prstGeom>
+          <a:noFill/>
+        </p:spPr>
+        <p:txBody>
+          <a:bodyPr wrap="none" rtlCol="0">
+            <a:spAutoFit/>
+          </a:bodyPr>
+          <a:lstStyle/>
+          <a:p>
+            <a:r>
+              <a:rPr lang="en-US" altLang="zh-CN" sz="1400" dirty="0">
+                <a:hlinkClick r:id="rId4" action="ppaction://hlinkfile"/>
+              </a:rPr>
+              <a:t>An example</a:t>
+            </a:r>
+            <a:endParaRPr lang="zh-CN" altLang="en-US" sz="1400" dirty="0"/>
+          </a:p>
+        </p:txBody>
+      </p:sp>
     </p:spTree>
     <p:extLst>
       <p:ext uri="{BB962C8B-B14F-4D97-AF65-F5344CB8AC3E}">
@@ -12307,6 +12422,41 @@
                                   </p:childTnLst>
                                 </p:cTn>
                               </p:par>
+                              <p:par>
+                                <p:cTn id="21" presetID="10" presetClass="entr" presetSubtype="0" fill="hold" grpId="0" nodeType="withEffect">
+                                  <p:stCondLst>
+                                    <p:cond delay="0"/>
+                                  </p:stCondLst>
+                                  <p:childTnLst>
+                                    <p:set>
+                                      <p:cBhvr>
+                                        <p:cTn id="22" dur="1" fill="hold">
+                                          <p:stCondLst>
+                                            <p:cond delay="0"/>
+                                          </p:stCondLst>
+                                        </p:cTn>
+                                        <p:tgtEl>
+                                          <p:spTgt spid="7"/>
+                                        </p:tgtEl>
+                                        <p:attrNameLst>
+                                          <p:attrName>style.visibility</p:attrName>
+                                        </p:attrNameLst>
+                                      </p:cBhvr>
+                                      <p:to>
+                                        <p:strVal val="visible"/>
+                                      </p:to>
+                                    </p:set>
+                                    <p:animEffect transition="in" filter="fade">
+                                      <p:cBhvr>
+                                        <p:cTn id="23" dur="500"/>
+                                        <p:tgtEl>
+                                          <p:spTgt spid="7"/>
+                                        </p:tgtEl>
+                                      </p:cBhvr>
+                                    </p:animEffect>
+                                  </p:childTnLst>
+                                </p:cTn>
+                              </p:par>
                             </p:childTnLst>
                           </p:cTn>
                         </p:par>
@@ -12314,26 +12464,26 @@
                     </p:cTn>
                   </p:par>
                   <p:par>
-                    <p:cTn id="21" fill="hold">
+                    <p:cTn id="24" fill="hold">
                       <p:stCondLst>
                         <p:cond delay="indefinite"/>
                       </p:stCondLst>
                       <p:childTnLst>
                         <p:par>
-                          <p:cTn id="22" fill="hold">
+                          <p:cTn id="25" fill="hold">
                             <p:stCondLst>
                               <p:cond delay="0"/>
                             </p:stCondLst>
                             <p:childTnLst>
                               <p:par>
-                                <p:cTn id="23" presetID="10" presetClass="entr" presetSubtype="0" fill="hold" nodeType="clickEffect">
+                                <p:cTn id="26" presetID="10" presetClass="entr" presetSubtype="0" fill="hold" nodeType="clickEffect">
                                   <p:stCondLst>
                                     <p:cond delay="0"/>
                                   </p:stCondLst>
                                   <p:childTnLst>
                                     <p:set>
                                       <p:cBhvr>
-                                        <p:cTn id="24" dur="1" fill="hold">
+                                        <p:cTn id="27" dur="1" fill="hold">
                                           <p:stCondLst>
                                             <p:cond delay="0"/>
                                           </p:stCondLst>
@@ -12355,7 +12505,7 @@
                                     </p:set>
                                     <p:animEffect transition="in" filter="fade">
                                       <p:cBhvr>
-                                        <p:cTn id="25" dur="500"/>
+                                        <p:cTn id="28" dur="500"/>
                                         <p:tgtEl>
                                           <p:spTgt spid="3">
                                             <p:txEl>
@@ -12375,26 +12525,26 @@
                     </p:cTn>
                   </p:par>
                   <p:par>
-                    <p:cTn id="26" fill="hold">
+                    <p:cTn id="29" fill="hold">
                       <p:stCondLst>
                         <p:cond delay="indefinite"/>
                       </p:stCondLst>
                       <p:childTnLst>
                         <p:par>
-                          <p:cTn id="27" fill="hold">
+                          <p:cTn id="30" fill="hold">
                             <p:stCondLst>
                               <p:cond delay="0"/>
                             </p:stCondLst>
                             <p:childTnLst>
                               <p:par>
-                                <p:cTn id="28" presetID="10" presetClass="entr" presetSubtype="0" fill="hold" nodeType="clickEffect">
+                                <p:cTn id="31" presetID="10" presetClass="entr" presetSubtype="0" fill="hold" nodeType="clickEffect">
                                   <p:stCondLst>
                                     <p:cond delay="0"/>
                                   </p:stCondLst>
                                   <p:childTnLst>
                                     <p:set>
                                       <p:cBhvr>
-                                        <p:cTn id="29" dur="1" fill="hold">
+                                        <p:cTn id="32" dur="1" fill="hold">
                                           <p:stCondLst>
                                             <p:cond delay="0"/>
                                           </p:stCondLst>
@@ -12416,7 +12566,7 @@
                                     </p:set>
                                     <p:animEffect transition="in" filter="fade">
                                       <p:cBhvr>
-                                        <p:cTn id="30" dur="500"/>
+                                        <p:cTn id="33" dur="500"/>
                                         <p:tgtEl>
                                           <p:spTgt spid="3">
                                             <p:txEl>
@@ -12456,6 +12606,9 @@
         </p:cTn>
       </p:par>
     </p:tnLst>
+    <p:bldLst>
+      <p:bldP spid="7" grpId="0"/>
+    </p:bldLst>
   </p:timing>
 </p:sld>
 </file>
@@ -12889,7 +13042,7 @@
                 <a:tabLst/>
                 <a:defRPr/>
               </a:pPr>
-              <a:t>2021-10-21</a:t>
+              <a:t>2022-10-5</a:t>
             </a:fld>
             <a:endParaRPr kumimoji="0" lang="en-US" altLang="zh-CN" sz="1400" b="0" i="0" u="none" strike="noStrike" kern="1200" cap="none" spc="0" normalizeH="0" baseline="0" noProof="0" dirty="0">
               <a:ln>
@@ -13302,7 +13455,7 @@
                 <a:tabLst/>
                 <a:defRPr/>
               </a:pPr>
-              <a:t>2021-10-21</a:t>
+              <a:t>2022-10-5</a:t>
             </a:fld>
             <a:endParaRPr kumimoji="0" lang="en-US" altLang="zh-CN" sz="1400" b="0" i="0" u="none" strike="noStrike" kern="1200" cap="none" spc="0" normalizeH="0" baseline="0" noProof="0" dirty="0">
               <a:ln>
@@ -13923,7 +14076,7 @@
                   <a:srgbClr val="000000"/>
                 </a:solidFill>
               </a:rPr>
-              <a:t>2021-10-21</a:t>
+              <a:t>2022-10-5</a:t>
             </a:fld>
             <a:endParaRPr lang="en-US" altLang="zh-CN" dirty="0">
               <a:solidFill>
@@ -14665,7 +14818,7 @@
                 <a:tabLst/>
                 <a:defRPr/>
               </a:pPr>
-              <a:t>2021-10-21</a:t>
+              <a:t>2022-10-5</a:t>
             </a:fld>
             <a:endParaRPr kumimoji="0" lang="en-US" altLang="zh-CN" sz="1400" b="0" i="0" u="none" strike="noStrike" kern="1200" cap="none" spc="0" normalizeH="0" baseline="0" noProof="0" dirty="0">
               <a:ln>
@@ -15126,7 +15279,7 @@
                 <a:tabLst/>
                 <a:defRPr/>
               </a:pPr>
-              <a:t>2021-10-21</a:t>
+              <a:t>2022-10-5</a:t>
             </a:fld>
             <a:endParaRPr kumimoji="0" lang="en-US" altLang="zh-CN" sz="1400" b="0" i="0" u="none" strike="noStrike" kern="1200" cap="none" spc="0" normalizeH="0" baseline="0" noProof="0" dirty="0">
               <a:ln>
